--- a/java/Ryhmä 9 - Lämpötilaseuranta v3.pptx
+++ b/java/Ryhmä 9 - Lämpötilaseuranta v3.pptx
@@ -167,7 +167,7 @@
           <a:noFill/>
           <a:extLst>
             <a:ext uri="{909E8E84-426E-40dd-AFC4-6F175D3DCCD1}">
-              <a14:hiddenFill xmlns:a14="http://schemas.microsoft.com/office/drawing/2010/main" xmlns="">
+              <a14:hiddenFill xmlns="" xmlns:a14="http://schemas.microsoft.com/office/drawing/2010/main">
                 <a:solidFill>
                   <a:srgbClr val="FFFFFF"/>
                 </a:solidFill>
@@ -227,7 +227,7 @@
             </a:ln>
             <a:extLst>
               <a:ext uri="{91240B29-F687-4f45-9708-019B960494DF}">
-                <a14:hiddenLine xmlns:a14="http://schemas.microsoft.com/office/drawing/2010/main" xmlns="" w="9525">
+                <a14:hiddenLine xmlns="" xmlns:a14="http://schemas.microsoft.com/office/drawing/2010/main" w="9525">
                   <a:solidFill>
                     <a:srgbClr val="000000"/>
                   </a:solidFill>
@@ -317,7 +317,7 @@
             </a:ln>
             <a:extLst>
               <a:ext uri="{91240B29-F687-4f45-9708-019B960494DF}">
-                <a14:hiddenLine xmlns:a14="http://schemas.microsoft.com/office/drawing/2010/main" xmlns="" w="9525">
+                <a14:hiddenLine xmlns="" xmlns:a14="http://schemas.microsoft.com/office/drawing/2010/main" w="9525">
                   <a:solidFill>
                     <a:srgbClr val="000000"/>
                   </a:solidFill>
@@ -407,7 +407,7 @@
             </a:ln>
             <a:extLst>
               <a:ext uri="{91240B29-F687-4f45-9708-019B960494DF}">
-                <a14:hiddenLine xmlns:a14="http://schemas.microsoft.com/office/drawing/2010/main" xmlns="" w="9525">
+                <a14:hiddenLine xmlns="" xmlns:a14="http://schemas.microsoft.com/office/drawing/2010/main" w="9525">
                   <a:solidFill>
                     <a:srgbClr val="000000"/>
                   </a:solidFill>
@@ -441,7 +441,7 @@
             </a:ln>
             <a:extLst>
               <a:ext uri="{91240B29-F687-4f45-9708-019B960494DF}">
-                <a14:hiddenLine xmlns:a14="http://schemas.microsoft.com/office/drawing/2010/main" xmlns="" w="9525">
+                <a14:hiddenLine xmlns="" xmlns:a14="http://schemas.microsoft.com/office/drawing/2010/main" w="9525">
                   <a:solidFill>
                     <a:srgbClr val="000000"/>
                   </a:solidFill>
@@ -531,7 +531,7 @@
             </a:ln>
             <a:extLst>
               <a:ext uri="{91240B29-F687-4f45-9708-019B960494DF}">
-                <a14:hiddenLine xmlns:a14="http://schemas.microsoft.com/office/drawing/2010/main" xmlns="" w="9525">
+                <a14:hiddenLine xmlns="" xmlns:a14="http://schemas.microsoft.com/office/drawing/2010/main" w="9525">
                   <a:solidFill>
                     <a:srgbClr val="000000"/>
                   </a:solidFill>
@@ -593,7 +593,7 @@
             </a:ln>
             <a:extLst>
               <a:ext uri="{91240B29-F687-4f45-9708-019B960494DF}">
-                <a14:hiddenLine xmlns:a14="http://schemas.microsoft.com/office/drawing/2010/main" xmlns="" w="9525">
+                <a14:hiddenLine xmlns="" xmlns:a14="http://schemas.microsoft.com/office/drawing/2010/main" w="9525">
                   <a:solidFill>
                     <a:srgbClr val="000000"/>
                   </a:solidFill>
@@ -655,7 +655,7 @@
             </a:ln>
             <a:extLst>
               <a:ext uri="{91240B29-F687-4f45-9708-019B960494DF}">
-                <a14:hiddenLine xmlns:a14="http://schemas.microsoft.com/office/drawing/2010/main" xmlns="" w="9525">
+                <a14:hiddenLine xmlns="" xmlns:a14="http://schemas.microsoft.com/office/drawing/2010/main" w="9525">
                   <a:solidFill>
                     <a:srgbClr val="000000"/>
                   </a:solidFill>
@@ -745,7 +745,7 @@
             </a:ln>
             <a:extLst>
               <a:ext uri="{91240B29-F687-4f45-9708-019B960494DF}">
-                <a14:hiddenLine xmlns:a14="http://schemas.microsoft.com/office/drawing/2010/main" xmlns="" w="9525">
+                <a14:hiddenLine xmlns="" xmlns:a14="http://schemas.microsoft.com/office/drawing/2010/main" w="9525">
                   <a:solidFill>
                     <a:srgbClr val="000000"/>
                   </a:solidFill>
@@ -807,7 +807,7 @@
             </a:ln>
             <a:extLst>
               <a:ext uri="{91240B29-F687-4f45-9708-019B960494DF}">
-                <a14:hiddenLine xmlns:a14="http://schemas.microsoft.com/office/drawing/2010/main" xmlns="" w="9525">
+                <a14:hiddenLine xmlns="" xmlns:a14="http://schemas.microsoft.com/office/drawing/2010/main" w="9525">
                   <a:solidFill>
                     <a:srgbClr val="000000"/>
                   </a:solidFill>
@@ -869,7 +869,7 @@
             </a:ln>
             <a:extLst>
               <a:ext uri="{91240B29-F687-4f45-9708-019B960494DF}">
-                <a14:hiddenLine xmlns:a14="http://schemas.microsoft.com/office/drawing/2010/main" xmlns="" w="9525">
+                <a14:hiddenLine xmlns="" xmlns:a14="http://schemas.microsoft.com/office/drawing/2010/main" w="9525">
                   <a:solidFill>
                     <a:srgbClr val="000000"/>
                   </a:solidFill>
@@ -959,7 +959,7 @@
             </a:ln>
             <a:extLst>
               <a:ext uri="{91240B29-F687-4f45-9708-019B960494DF}">
-                <a14:hiddenLine xmlns:a14="http://schemas.microsoft.com/office/drawing/2010/main" xmlns="" w="9525">
+                <a14:hiddenLine xmlns="" xmlns:a14="http://schemas.microsoft.com/office/drawing/2010/main" w="9525">
                   <a:solidFill>
                     <a:srgbClr val="000000"/>
                   </a:solidFill>
@@ -1049,7 +1049,7 @@
             </a:ln>
             <a:extLst>
               <a:ext uri="{91240B29-F687-4f45-9708-019B960494DF}">
-                <a14:hiddenLine xmlns:a14="http://schemas.microsoft.com/office/drawing/2010/main" xmlns="" w="9525">
+                <a14:hiddenLine xmlns="" xmlns:a14="http://schemas.microsoft.com/office/drawing/2010/main" w="9525">
                   <a:solidFill>
                     <a:srgbClr val="000000"/>
                   </a:solidFill>
@@ -1111,7 +1111,7 @@
             </a:ln>
             <a:extLst>
               <a:ext uri="{91240B29-F687-4f45-9708-019B960494DF}">
-                <a14:hiddenLine xmlns:a14="http://schemas.microsoft.com/office/drawing/2010/main" xmlns="" w="9525">
+                <a14:hiddenLine xmlns="" xmlns:a14="http://schemas.microsoft.com/office/drawing/2010/main" w="9525">
                   <a:solidFill>
                     <a:srgbClr val="000000"/>
                   </a:solidFill>
@@ -1221,7 +1221,7 @@
             </a:ln>
             <a:extLst>
               <a:ext uri="{91240B29-F687-4f45-9708-019B960494DF}">
-                <a14:hiddenLine xmlns:a14="http://schemas.microsoft.com/office/drawing/2010/main" xmlns="" w="9525">
+                <a14:hiddenLine xmlns="" xmlns:a14="http://schemas.microsoft.com/office/drawing/2010/main" w="9525">
                   <a:solidFill>
                     <a:srgbClr val="000000"/>
                   </a:solidFill>
@@ -1283,7 +1283,7 @@
             </a:ln>
             <a:extLst>
               <a:ext uri="{91240B29-F687-4f45-9708-019B960494DF}">
-                <a14:hiddenLine xmlns:a14="http://schemas.microsoft.com/office/drawing/2010/main" xmlns="" w="9525">
+                <a14:hiddenLine xmlns="" xmlns:a14="http://schemas.microsoft.com/office/drawing/2010/main" w="9525">
                   <a:solidFill>
                     <a:srgbClr val="000000"/>
                   </a:solidFill>
@@ -1373,7 +1373,7 @@
             </a:ln>
             <a:extLst>
               <a:ext uri="{91240B29-F687-4f45-9708-019B960494DF}">
-                <a14:hiddenLine xmlns:a14="http://schemas.microsoft.com/office/drawing/2010/main" xmlns="" w="9525">
+                <a14:hiddenLine xmlns="" xmlns:a14="http://schemas.microsoft.com/office/drawing/2010/main" w="9525">
                   <a:solidFill>
                     <a:srgbClr val="000000"/>
                   </a:solidFill>
@@ -1463,7 +1463,7 @@
             </a:ln>
             <a:extLst>
               <a:ext uri="{91240B29-F687-4f45-9708-019B960494DF}">
-                <a14:hiddenLine xmlns:a14="http://schemas.microsoft.com/office/drawing/2010/main" xmlns="" w="9525">
+                <a14:hiddenLine xmlns="" xmlns:a14="http://schemas.microsoft.com/office/drawing/2010/main" w="9525">
                   <a:solidFill>
                     <a:srgbClr val="000000"/>
                   </a:solidFill>
@@ -1525,7 +1525,7 @@
             </a:ln>
             <a:extLst>
               <a:ext uri="{91240B29-F687-4f45-9708-019B960494DF}">
-                <a14:hiddenLine xmlns:a14="http://schemas.microsoft.com/office/drawing/2010/main" xmlns="" w="9525">
+                <a14:hiddenLine xmlns="" xmlns:a14="http://schemas.microsoft.com/office/drawing/2010/main" w="9525">
                   <a:solidFill>
                     <a:srgbClr val="000000"/>
                   </a:solidFill>
@@ -1615,7 +1615,7 @@
             </a:ln>
             <a:extLst>
               <a:ext uri="{91240B29-F687-4f45-9708-019B960494DF}">
-                <a14:hiddenLine xmlns:a14="http://schemas.microsoft.com/office/drawing/2010/main" xmlns="" w="9525">
+                <a14:hiddenLine xmlns="" xmlns:a14="http://schemas.microsoft.com/office/drawing/2010/main" w="9525">
                   <a:solidFill>
                     <a:srgbClr val="000000"/>
                   </a:solidFill>
@@ -1705,7 +1705,7 @@
             </a:ln>
             <a:extLst>
               <a:ext uri="{91240B29-F687-4f45-9708-019B960494DF}">
-                <a14:hiddenLine xmlns:a14="http://schemas.microsoft.com/office/drawing/2010/main" xmlns="" w="9525">
+                <a14:hiddenLine xmlns="" xmlns:a14="http://schemas.microsoft.com/office/drawing/2010/main" w="9525">
                   <a:solidFill>
                     <a:srgbClr val="000000"/>
                   </a:solidFill>
@@ -1761,7 +1761,7 @@
             </a:ln>
             <a:extLst>
               <a:ext uri="{91240B29-F687-4f45-9708-019B960494DF}">
-                <a14:hiddenLine xmlns:a14="http://schemas.microsoft.com/office/drawing/2010/main" xmlns="" w="9525">
+                <a14:hiddenLine xmlns="" xmlns:a14="http://schemas.microsoft.com/office/drawing/2010/main" w="9525">
                   <a:solidFill>
                     <a:srgbClr val="000000"/>
                   </a:solidFill>
@@ -1851,7 +1851,7 @@
             </a:ln>
             <a:extLst>
               <a:ext uri="{91240B29-F687-4f45-9708-019B960494DF}">
-                <a14:hiddenLine xmlns:a14="http://schemas.microsoft.com/office/drawing/2010/main" xmlns="" w="9525">
+                <a14:hiddenLine xmlns="" xmlns:a14="http://schemas.microsoft.com/office/drawing/2010/main" w="9525">
                   <a:solidFill>
                     <a:srgbClr val="000000"/>
                   </a:solidFill>
@@ -1907,7 +1907,7 @@
             </a:ln>
             <a:extLst>
               <a:ext uri="{91240B29-F687-4f45-9708-019B960494DF}">
-                <a14:hiddenLine xmlns:a14="http://schemas.microsoft.com/office/drawing/2010/main" xmlns="" w="9525">
+                <a14:hiddenLine xmlns="" xmlns:a14="http://schemas.microsoft.com/office/drawing/2010/main" w="9525">
                   <a:solidFill>
                     <a:srgbClr val="000000"/>
                   </a:solidFill>
@@ -1997,7 +1997,7 @@
             </a:ln>
             <a:extLst>
               <a:ext uri="{91240B29-F687-4f45-9708-019B960494DF}">
-                <a14:hiddenLine xmlns:a14="http://schemas.microsoft.com/office/drawing/2010/main" xmlns="" w="9525">
+                <a14:hiddenLine xmlns="" xmlns:a14="http://schemas.microsoft.com/office/drawing/2010/main" w="9525">
                   <a:solidFill>
                     <a:srgbClr val="000000"/>
                   </a:solidFill>
@@ -2065,7 +2065,7 @@
             </a:ln>
             <a:extLst>
               <a:ext uri="{91240B29-F687-4f45-9708-019B960494DF}">
-                <a14:hiddenLine xmlns:a14="http://schemas.microsoft.com/office/drawing/2010/main" xmlns="" w="9525">
+                <a14:hiddenLine xmlns="" xmlns:a14="http://schemas.microsoft.com/office/drawing/2010/main" w="9525">
                   <a:solidFill>
                     <a:srgbClr val="000000"/>
                   </a:solidFill>
@@ -2155,7 +2155,7 @@
             </a:ln>
             <a:extLst>
               <a:ext uri="{91240B29-F687-4f45-9708-019B960494DF}">
-                <a14:hiddenLine xmlns:a14="http://schemas.microsoft.com/office/drawing/2010/main" xmlns="" w="9525">
+                <a14:hiddenLine xmlns="" xmlns:a14="http://schemas.microsoft.com/office/drawing/2010/main" w="9525">
                   <a:solidFill>
                     <a:srgbClr val="000000"/>
                   </a:solidFill>
@@ -2223,7 +2223,7 @@
             </a:ln>
             <a:extLst>
               <a:ext uri="{91240B29-F687-4f45-9708-019B960494DF}">
-                <a14:hiddenLine xmlns:a14="http://schemas.microsoft.com/office/drawing/2010/main" xmlns="" w="9525">
+                <a14:hiddenLine xmlns="" xmlns:a14="http://schemas.microsoft.com/office/drawing/2010/main" w="9525">
                   <a:solidFill>
                     <a:srgbClr val="000000"/>
                   </a:solidFill>
@@ -2313,7 +2313,7 @@
             </a:ln>
             <a:extLst>
               <a:ext uri="{91240B29-F687-4f45-9708-019B960494DF}">
-                <a14:hiddenLine xmlns:a14="http://schemas.microsoft.com/office/drawing/2010/main" xmlns="" w="9525">
+                <a14:hiddenLine xmlns="" xmlns:a14="http://schemas.microsoft.com/office/drawing/2010/main" w="9525">
                   <a:solidFill>
                     <a:srgbClr val="000000"/>
                   </a:solidFill>
@@ -2347,7 +2347,7 @@
             </a:ln>
             <a:extLst>
               <a:ext uri="{91240B29-F687-4f45-9708-019B960494DF}">
-                <a14:hiddenLine xmlns:a14="http://schemas.microsoft.com/office/drawing/2010/main" xmlns="" w="9525">
+                <a14:hiddenLine xmlns="" xmlns:a14="http://schemas.microsoft.com/office/drawing/2010/main" w="9525">
                   <a:solidFill>
                     <a:srgbClr val="000000"/>
                   </a:solidFill>
@@ -2437,7 +2437,7 @@
             </a:ln>
             <a:extLst>
               <a:ext uri="{91240B29-F687-4f45-9708-019B960494DF}">
-                <a14:hiddenLine xmlns:a14="http://schemas.microsoft.com/office/drawing/2010/main" xmlns="" w="9525">
+                <a14:hiddenLine xmlns="" xmlns:a14="http://schemas.microsoft.com/office/drawing/2010/main" w="9525">
                   <a:solidFill>
                     <a:srgbClr val="000000"/>
                   </a:solidFill>
@@ -2499,7 +2499,7 @@
             </a:ln>
             <a:extLst>
               <a:ext uri="{91240B29-F687-4f45-9708-019B960494DF}">
-                <a14:hiddenLine xmlns:a14="http://schemas.microsoft.com/office/drawing/2010/main" xmlns="" w="9525">
+                <a14:hiddenLine xmlns="" xmlns:a14="http://schemas.microsoft.com/office/drawing/2010/main" w="9525">
                   <a:solidFill>
                     <a:srgbClr val="000000"/>
                   </a:solidFill>
@@ -2561,7 +2561,7 @@
             </a:ln>
             <a:extLst>
               <a:ext uri="{91240B29-F687-4f45-9708-019B960494DF}">
-                <a14:hiddenLine xmlns:a14="http://schemas.microsoft.com/office/drawing/2010/main" xmlns="" w="9525">
+                <a14:hiddenLine xmlns="" xmlns:a14="http://schemas.microsoft.com/office/drawing/2010/main" w="9525">
                   <a:solidFill>
                     <a:srgbClr val="000000"/>
                   </a:solidFill>
@@ -2651,7 +2651,7 @@
             </a:ln>
             <a:extLst>
               <a:ext uri="{91240B29-F687-4f45-9708-019B960494DF}">
-                <a14:hiddenLine xmlns:a14="http://schemas.microsoft.com/office/drawing/2010/main" xmlns="" w="9525">
+                <a14:hiddenLine xmlns="" xmlns:a14="http://schemas.microsoft.com/office/drawing/2010/main" w="9525">
                   <a:solidFill>
                     <a:srgbClr val="000000"/>
                   </a:solidFill>
@@ -2719,7 +2719,7 @@
             </a:ln>
             <a:extLst>
               <a:ext uri="{91240B29-F687-4f45-9708-019B960494DF}">
-                <a14:hiddenLine xmlns:a14="http://schemas.microsoft.com/office/drawing/2010/main" xmlns="" w="9525">
+                <a14:hiddenLine xmlns="" xmlns:a14="http://schemas.microsoft.com/office/drawing/2010/main" w="9525">
                   <a:solidFill>
                     <a:srgbClr val="000000"/>
                   </a:solidFill>
@@ -2781,7 +2781,7 @@
             </a:ln>
             <a:extLst>
               <a:ext uri="{91240B29-F687-4f45-9708-019B960494DF}">
-                <a14:hiddenLine xmlns:a14="http://schemas.microsoft.com/office/drawing/2010/main" xmlns="" w="9525">
+                <a14:hiddenLine xmlns="" xmlns:a14="http://schemas.microsoft.com/office/drawing/2010/main" w="9525">
                   <a:solidFill>
                     <a:srgbClr val="000000"/>
                   </a:solidFill>
@@ -2871,7 +2871,7 @@
             </a:ln>
             <a:extLst>
               <a:ext uri="{91240B29-F687-4f45-9708-019B960494DF}">
-                <a14:hiddenLine xmlns:a14="http://schemas.microsoft.com/office/drawing/2010/main" xmlns="" w="9525">
+                <a14:hiddenLine xmlns="" xmlns:a14="http://schemas.microsoft.com/office/drawing/2010/main" w="9525">
                   <a:solidFill>
                     <a:srgbClr val="000000"/>
                   </a:solidFill>
@@ -2933,7 +2933,7 @@
             </a:ln>
             <a:extLst>
               <a:ext uri="{91240B29-F687-4f45-9708-019B960494DF}">
-                <a14:hiddenLine xmlns:a14="http://schemas.microsoft.com/office/drawing/2010/main" xmlns="" w="9525">
+                <a14:hiddenLine xmlns="" xmlns:a14="http://schemas.microsoft.com/office/drawing/2010/main" w="9525">
                   <a:solidFill>
                     <a:srgbClr val="000000"/>
                   </a:solidFill>
@@ -3023,7 +3023,7 @@
             </a:ln>
             <a:extLst>
               <a:ext uri="{91240B29-F687-4f45-9708-019B960494DF}">
-                <a14:hiddenLine xmlns:a14="http://schemas.microsoft.com/office/drawing/2010/main" xmlns="" w="9525">
+                <a14:hiddenLine xmlns="" xmlns:a14="http://schemas.microsoft.com/office/drawing/2010/main" w="9525">
                   <a:solidFill>
                     <a:srgbClr val="000000"/>
                   </a:solidFill>
@@ -3085,7 +3085,7 @@
             </a:ln>
             <a:extLst>
               <a:ext uri="{91240B29-F687-4f45-9708-019B960494DF}">
-                <a14:hiddenLine xmlns:a14="http://schemas.microsoft.com/office/drawing/2010/main" xmlns="" w="9525">
+                <a14:hiddenLine xmlns="" xmlns:a14="http://schemas.microsoft.com/office/drawing/2010/main" w="9525">
                   <a:solidFill>
                     <a:srgbClr val="000000"/>
                   </a:solidFill>
@@ -3175,7 +3175,7 @@
             </a:ln>
             <a:extLst>
               <a:ext uri="{91240B29-F687-4f45-9708-019B960494DF}">
-                <a14:hiddenLine xmlns:a14="http://schemas.microsoft.com/office/drawing/2010/main" xmlns="" w="9525">
+                <a14:hiddenLine xmlns="" xmlns:a14="http://schemas.microsoft.com/office/drawing/2010/main" w="9525">
                   <a:solidFill>
                     <a:srgbClr val="000000"/>
                   </a:solidFill>
@@ -3209,7 +3209,7 @@
             </a:ln>
             <a:extLst>
               <a:ext uri="{91240B29-F687-4f45-9708-019B960494DF}">
-                <a14:hiddenLine xmlns:a14="http://schemas.microsoft.com/office/drawing/2010/main" xmlns="" w="9525">
+                <a14:hiddenLine xmlns="" xmlns:a14="http://schemas.microsoft.com/office/drawing/2010/main" w="9525">
                   <a:solidFill>
                     <a:srgbClr val="000000"/>
                   </a:solidFill>
@@ -3274,7 +3274,7 @@
             </a:ln>
             <a:extLst>
               <a:ext uri="{91240B29-F687-4f45-9708-019B960494DF}">
-                <a14:hiddenLine xmlns:a14="http://schemas.microsoft.com/office/drawing/2010/main" xmlns="" w="9525">
+                <a14:hiddenLine xmlns="" xmlns:a14="http://schemas.microsoft.com/office/drawing/2010/main" w="9525">
                   <a:solidFill>
                     <a:srgbClr val="000000"/>
                   </a:solidFill>
@@ -3364,7 +3364,7 @@
             </a:ln>
             <a:extLst>
               <a:ext uri="{91240B29-F687-4f45-9708-019B960494DF}">
-                <a14:hiddenLine xmlns:a14="http://schemas.microsoft.com/office/drawing/2010/main" xmlns="" w="9525">
+                <a14:hiddenLine xmlns="" xmlns:a14="http://schemas.microsoft.com/office/drawing/2010/main" w="9525">
                   <a:solidFill>
                     <a:srgbClr val="000000"/>
                   </a:solidFill>
@@ -3426,7 +3426,7 @@
             </a:ln>
             <a:extLst>
               <a:ext uri="{91240B29-F687-4f45-9708-019B960494DF}">
-                <a14:hiddenLine xmlns:a14="http://schemas.microsoft.com/office/drawing/2010/main" xmlns="" w="9525">
+                <a14:hiddenLine xmlns="" xmlns:a14="http://schemas.microsoft.com/office/drawing/2010/main" w="9525">
                   <a:solidFill>
                     <a:srgbClr val="000000"/>
                   </a:solidFill>
@@ -3516,7 +3516,7 @@
             </a:ln>
             <a:extLst>
               <a:ext uri="{91240B29-F687-4f45-9708-019B960494DF}">
-                <a14:hiddenLine xmlns:a14="http://schemas.microsoft.com/office/drawing/2010/main" xmlns="" w="9525">
+                <a14:hiddenLine xmlns="" xmlns:a14="http://schemas.microsoft.com/office/drawing/2010/main" w="9525">
                   <a:solidFill>
                     <a:srgbClr val="000000"/>
                   </a:solidFill>
@@ -3606,7 +3606,7 @@
             </a:ln>
             <a:extLst>
               <a:ext uri="{91240B29-F687-4f45-9708-019B960494DF}">
-                <a14:hiddenLine xmlns:a14="http://schemas.microsoft.com/office/drawing/2010/main" xmlns="" w="9525">
+                <a14:hiddenLine xmlns="" xmlns:a14="http://schemas.microsoft.com/office/drawing/2010/main" w="9525">
                   <a:solidFill>
                     <a:srgbClr val="000000"/>
                   </a:solidFill>
@@ -3671,7 +3671,7 @@
             </a:ln>
             <a:extLst>
               <a:ext uri="{91240B29-F687-4f45-9708-019B960494DF}">
-                <a14:hiddenLine xmlns:a14="http://schemas.microsoft.com/office/drawing/2010/main" xmlns="" w="9525">
+                <a14:hiddenLine xmlns="" xmlns:a14="http://schemas.microsoft.com/office/drawing/2010/main" w="9525">
                   <a:solidFill>
                     <a:srgbClr val="000000"/>
                   </a:solidFill>
@@ -3733,7 +3733,7 @@
             </a:ln>
             <a:extLst>
               <a:ext uri="{91240B29-F687-4f45-9708-019B960494DF}">
-                <a14:hiddenLine xmlns:a14="http://schemas.microsoft.com/office/drawing/2010/main" xmlns="" w="9525">
+                <a14:hiddenLine xmlns="" xmlns:a14="http://schemas.microsoft.com/office/drawing/2010/main" w="9525">
                   <a:solidFill>
                     <a:srgbClr val="000000"/>
                   </a:solidFill>
@@ -3823,7 +3823,7 @@
             </a:ln>
             <a:extLst>
               <a:ext uri="{91240B29-F687-4f45-9708-019B960494DF}">
-                <a14:hiddenLine xmlns:a14="http://schemas.microsoft.com/office/drawing/2010/main" xmlns="" w="9525">
+                <a14:hiddenLine xmlns="" xmlns:a14="http://schemas.microsoft.com/office/drawing/2010/main" w="9525">
                   <a:solidFill>
                     <a:srgbClr val="000000"/>
                   </a:solidFill>
@@ -3913,7 +3913,7 @@
             </a:ln>
             <a:extLst>
               <a:ext uri="{91240B29-F687-4f45-9708-019B960494DF}">
-                <a14:hiddenLine xmlns:a14="http://schemas.microsoft.com/office/drawing/2010/main" xmlns="" w="9525">
+                <a14:hiddenLine xmlns="" xmlns:a14="http://schemas.microsoft.com/office/drawing/2010/main" w="9525">
                   <a:solidFill>
                     <a:srgbClr val="000000"/>
                   </a:solidFill>
@@ -3975,7 +3975,7 @@
             </a:ln>
             <a:extLst>
               <a:ext uri="{91240B29-F687-4f45-9708-019B960494DF}">
-                <a14:hiddenLine xmlns:a14="http://schemas.microsoft.com/office/drawing/2010/main" xmlns="" w="9525">
+                <a14:hiddenLine xmlns="" xmlns:a14="http://schemas.microsoft.com/office/drawing/2010/main" w="9525">
                   <a:solidFill>
                     <a:srgbClr val="000000"/>
                   </a:solidFill>
@@ -4095,7 +4095,7 @@
             </a:ln>
             <a:extLst>
               <a:ext uri="{91240B29-F687-4f45-9708-019B960494DF}">
-                <a14:hiddenLine xmlns:a14="http://schemas.microsoft.com/office/drawing/2010/main" xmlns="" w="9525">
+                <a14:hiddenLine xmlns="" xmlns:a14="http://schemas.microsoft.com/office/drawing/2010/main" w="9525">
                   <a:solidFill>
                     <a:srgbClr val="000000"/>
                   </a:solidFill>
@@ -4163,7 +4163,7 @@
             </a:ln>
             <a:extLst>
               <a:ext uri="{91240B29-F687-4f45-9708-019B960494DF}">
-                <a14:hiddenLine xmlns:a14="http://schemas.microsoft.com/office/drawing/2010/main" xmlns="" w="9525">
+                <a14:hiddenLine xmlns="" xmlns:a14="http://schemas.microsoft.com/office/drawing/2010/main" w="9525">
                   <a:solidFill>
                     <a:srgbClr val="000000"/>
                   </a:solidFill>
@@ -4253,7 +4253,7 @@
             </a:ln>
             <a:extLst>
               <a:ext uri="{91240B29-F687-4f45-9708-019B960494DF}">
-                <a14:hiddenLine xmlns:a14="http://schemas.microsoft.com/office/drawing/2010/main" xmlns="" w="9525">
+                <a14:hiddenLine xmlns="" xmlns:a14="http://schemas.microsoft.com/office/drawing/2010/main" w="9525">
                   <a:solidFill>
                     <a:srgbClr val="000000"/>
                   </a:solidFill>
@@ -8975,7 +8975,7 @@
           <a:noFill/>
           <a:extLst>
             <a:ext uri="{909E8E84-426E-40dd-AFC4-6F175D3DCCD1}">
-              <a14:hiddenFill xmlns:a14="http://schemas.microsoft.com/office/drawing/2010/main" xmlns="">
+              <a14:hiddenFill xmlns="" xmlns:a14="http://schemas.microsoft.com/office/drawing/2010/main">
                 <a:solidFill>
                   <a:srgbClr val="FFFFFF"/>
                 </a:solidFill>
@@ -9049,7 +9049,7 @@
               </a:ln>
               <a:extLst>
                 <a:ext uri="{91240B29-F687-4f45-9708-019B960494DF}">
-                  <a14:hiddenLine xmlns:a14="http://schemas.microsoft.com/office/drawing/2010/main" xmlns="" w="9525">
+                  <a14:hiddenLine xmlns="" xmlns:a14="http://schemas.microsoft.com/office/drawing/2010/main" w="9525">
                     <a:solidFill>
                       <a:srgbClr val="000000"/>
                     </a:solidFill>
@@ -9139,7 +9139,7 @@
               </a:ln>
               <a:extLst>
                 <a:ext uri="{91240B29-F687-4f45-9708-019B960494DF}">
-                  <a14:hiddenLine xmlns:a14="http://schemas.microsoft.com/office/drawing/2010/main" xmlns="" w="9525">
+                  <a14:hiddenLine xmlns="" xmlns:a14="http://schemas.microsoft.com/office/drawing/2010/main" w="9525">
                     <a:solidFill>
                       <a:srgbClr val="000000"/>
                     </a:solidFill>
@@ -9229,7 +9229,7 @@
               </a:ln>
               <a:extLst>
                 <a:ext uri="{91240B29-F687-4f45-9708-019B960494DF}">
-                  <a14:hiddenLine xmlns:a14="http://schemas.microsoft.com/office/drawing/2010/main" xmlns="" w="9525">
+                  <a14:hiddenLine xmlns="" xmlns:a14="http://schemas.microsoft.com/office/drawing/2010/main" w="9525">
                     <a:solidFill>
                       <a:srgbClr val="000000"/>
                     </a:solidFill>
@@ -9291,7 +9291,7 @@
               </a:ln>
               <a:extLst>
                 <a:ext uri="{91240B29-F687-4f45-9708-019B960494DF}">
-                  <a14:hiddenLine xmlns:a14="http://schemas.microsoft.com/office/drawing/2010/main" xmlns="" w="9525">
+                  <a14:hiddenLine xmlns="" xmlns:a14="http://schemas.microsoft.com/office/drawing/2010/main" w="9525">
                     <a:solidFill>
                       <a:srgbClr val="000000"/>
                     </a:solidFill>
@@ -9381,7 +9381,7 @@
               </a:ln>
               <a:extLst>
                 <a:ext uri="{91240B29-F687-4f45-9708-019B960494DF}">
-                  <a14:hiddenLine xmlns:a14="http://schemas.microsoft.com/office/drawing/2010/main" xmlns="" w="9525">
+                  <a14:hiddenLine xmlns="" xmlns:a14="http://schemas.microsoft.com/office/drawing/2010/main" w="9525">
                     <a:solidFill>
                       <a:srgbClr val="000000"/>
                     </a:solidFill>
@@ -9443,7 +9443,7 @@
               </a:ln>
               <a:extLst>
                 <a:ext uri="{91240B29-F687-4f45-9708-019B960494DF}">
-                  <a14:hiddenLine xmlns:a14="http://schemas.microsoft.com/office/drawing/2010/main" xmlns="" w="9525">
+                  <a14:hiddenLine xmlns="" xmlns:a14="http://schemas.microsoft.com/office/drawing/2010/main" w="9525">
                     <a:solidFill>
                       <a:srgbClr val="000000"/>
                     </a:solidFill>
@@ -9505,7 +9505,7 @@
               </a:ln>
               <a:extLst>
                 <a:ext uri="{91240B29-F687-4f45-9708-019B960494DF}">
-                  <a14:hiddenLine xmlns:a14="http://schemas.microsoft.com/office/drawing/2010/main" xmlns="" w="9525">
+                  <a14:hiddenLine xmlns="" xmlns:a14="http://schemas.microsoft.com/office/drawing/2010/main" w="9525">
                     <a:solidFill>
                       <a:srgbClr val="000000"/>
                     </a:solidFill>
@@ -9595,7 +9595,7 @@
               </a:ln>
               <a:extLst>
                 <a:ext uri="{91240B29-F687-4f45-9708-019B960494DF}">
-                  <a14:hiddenLine xmlns:a14="http://schemas.microsoft.com/office/drawing/2010/main" xmlns="" w="9525">
+                  <a14:hiddenLine xmlns="" xmlns:a14="http://schemas.microsoft.com/office/drawing/2010/main" w="9525">
                     <a:solidFill>
                       <a:srgbClr val="000000"/>
                     </a:solidFill>
@@ -9685,7 +9685,7 @@
               </a:ln>
               <a:extLst>
                 <a:ext uri="{91240B29-F687-4f45-9708-019B960494DF}">
-                  <a14:hiddenLine xmlns:a14="http://schemas.microsoft.com/office/drawing/2010/main" xmlns="" w="9525">
+                  <a14:hiddenLine xmlns="" xmlns:a14="http://schemas.microsoft.com/office/drawing/2010/main" w="9525">
                     <a:solidFill>
                       <a:srgbClr val="000000"/>
                     </a:solidFill>
@@ -9747,7 +9747,7 @@
               </a:ln>
               <a:extLst>
                 <a:ext uri="{91240B29-F687-4f45-9708-019B960494DF}">
-                  <a14:hiddenLine xmlns:a14="http://schemas.microsoft.com/office/drawing/2010/main" xmlns="" w="9525">
+                  <a14:hiddenLine xmlns="" xmlns:a14="http://schemas.microsoft.com/office/drawing/2010/main" w="9525">
                     <a:solidFill>
                       <a:srgbClr val="000000"/>
                     </a:solidFill>
@@ -9857,7 +9857,7 @@
               </a:ln>
               <a:extLst>
                 <a:ext uri="{91240B29-F687-4f45-9708-019B960494DF}">
-                  <a14:hiddenLine xmlns:a14="http://schemas.microsoft.com/office/drawing/2010/main" xmlns="" w="9525">
+                  <a14:hiddenLine xmlns="" xmlns:a14="http://schemas.microsoft.com/office/drawing/2010/main" w="9525">
                     <a:solidFill>
                       <a:srgbClr val="000000"/>
                     </a:solidFill>
@@ -9941,7 +9941,7 @@
               </a:ln>
               <a:extLst>
                 <a:ext uri="{91240B29-F687-4f45-9708-019B960494DF}">
-                  <a14:hiddenLine xmlns:a14="http://schemas.microsoft.com/office/drawing/2010/main" xmlns="" w="9525">
+                  <a14:hiddenLine xmlns="" xmlns:a14="http://schemas.microsoft.com/office/drawing/2010/main" w="9525">
                     <a:solidFill>
                       <a:srgbClr val="000000"/>
                     </a:solidFill>
@@ -10003,7 +10003,7 @@
               </a:ln>
               <a:extLst>
                 <a:ext uri="{91240B29-F687-4f45-9708-019B960494DF}">
-                  <a14:hiddenLine xmlns:a14="http://schemas.microsoft.com/office/drawing/2010/main" xmlns="" w="9525">
+                  <a14:hiddenLine xmlns="" xmlns:a14="http://schemas.microsoft.com/office/drawing/2010/main" w="9525">
                     <a:solidFill>
                       <a:srgbClr val="000000"/>
                     </a:solidFill>
@@ -10065,7 +10065,7 @@
               </a:ln>
               <a:extLst>
                 <a:ext uri="{91240B29-F687-4f45-9708-019B960494DF}">
-                  <a14:hiddenLine xmlns:a14="http://schemas.microsoft.com/office/drawing/2010/main" xmlns="" w="9525">
+                  <a14:hiddenLine xmlns="" xmlns:a14="http://schemas.microsoft.com/office/drawing/2010/main" w="9525">
                     <a:solidFill>
                       <a:srgbClr val="000000"/>
                     </a:solidFill>
@@ -10155,7 +10155,7 @@
               </a:ln>
               <a:extLst>
                 <a:ext uri="{91240B29-F687-4f45-9708-019B960494DF}">
-                  <a14:hiddenLine xmlns:a14="http://schemas.microsoft.com/office/drawing/2010/main" xmlns="" w="9525">
+                  <a14:hiddenLine xmlns="" xmlns:a14="http://schemas.microsoft.com/office/drawing/2010/main" w="9525">
                     <a:solidFill>
                       <a:srgbClr val="000000"/>
                     </a:solidFill>
@@ -10189,7 +10189,7 @@
               </a:ln>
               <a:extLst>
                 <a:ext uri="{91240B29-F687-4f45-9708-019B960494DF}">
-                  <a14:hiddenLine xmlns:a14="http://schemas.microsoft.com/office/drawing/2010/main" xmlns="" w="9525">
+                  <a14:hiddenLine xmlns="" xmlns:a14="http://schemas.microsoft.com/office/drawing/2010/main" w="9525">
                     <a:solidFill>
                       <a:srgbClr val="000000"/>
                     </a:solidFill>
@@ -10254,7 +10254,7 @@
               </a:ln>
               <a:extLst>
                 <a:ext uri="{91240B29-F687-4f45-9708-019B960494DF}">
-                  <a14:hiddenLine xmlns:a14="http://schemas.microsoft.com/office/drawing/2010/main" xmlns="" w="9525">
+                  <a14:hiddenLine xmlns="" xmlns:a14="http://schemas.microsoft.com/office/drawing/2010/main" w="9525">
                     <a:solidFill>
                       <a:srgbClr val="000000"/>
                     </a:solidFill>
@@ -10344,7 +10344,7 @@
               </a:ln>
               <a:extLst>
                 <a:ext uri="{91240B29-F687-4f45-9708-019B960494DF}">
-                  <a14:hiddenLine xmlns:a14="http://schemas.microsoft.com/office/drawing/2010/main" xmlns="" w="9525">
+                  <a14:hiddenLine xmlns="" xmlns:a14="http://schemas.microsoft.com/office/drawing/2010/main" w="9525">
                     <a:solidFill>
                       <a:srgbClr val="000000"/>
                     </a:solidFill>
@@ -10406,7 +10406,7 @@
               </a:ln>
               <a:extLst>
                 <a:ext uri="{91240B29-F687-4f45-9708-019B960494DF}">
-                  <a14:hiddenLine xmlns:a14="http://schemas.microsoft.com/office/drawing/2010/main" xmlns="" w="9525">
+                  <a14:hiddenLine xmlns="" xmlns:a14="http://schemas.microsoft.com/office/drawing/2010/main" w="9525">
                     <a:solidFill>
                       <a:srgbClr val="000000"/>
                     </a:solidFill>
@@ -10496,7 +10496,7 @@
               </a:ln>
               <a:extLst>
                 <a:ext uri="{91240B29-F687-4f45-9708-019B960494DF}">
-                  <a14:hiddenLine xmlns:a14="http://schemas.microsoft.com/office/drawing/2010/main" xmlns="" w="9525">
+                  <a14:hiddenLine xmlns="" xmlns:a14="http://schemas.microsoft.com/office/drawing/2010/main" w="9525">
                     <a:solidFill>
                       <a:srgbClr val="000000"/>
                     </a:solidFill>
@@ -10561,7 +10561,7 @@
               </a:ln>
               <a:extLst>
                 <a:ext uri="{91240B29-F687-4f45-9708-019B960494DF}">
-                  <a14:hiddenLine xmlns:a14="http://schemas.microsoft.com/office/drawing/2010/main" xmlns="" w="9525">
+                  <a14:hiddenLine xmlns="" xmlns:a14="http://schemas.microsoft.com/office/drawing/2010/main" w="9525">
                     <a:solidFill>
                       <a:srgbClr val="000000"/>
                     </a:solidFill>
@@ -10623,7 +10623,7 @@
               </a:ln>
               <a:extLst>
                 <a:ext uri="{91240B29-F687-4f45-9708-019B960494DF}">
-                  <a14:hiddenLine xmlns:a14="http://schemas.microsoft.com/office/drawing/2010/main" xmlns="" w="9525">
+                  <a14:hiddenLine xmlns="" xmlns:a14="http://schemas.microsoft.com/office/drawing/2010/main" w="9525">
                     <a:solidFill>
                       <a:srgbClr val="000000"/>
                     </a:solidFill>
@@ -10713,7 +10713,7 @@
               </a:ln>
               <a:extLst>
                 <a:ext uri="{91240B29-F687-4f45-9708-019B960494DF}">
-                  <a14:hiddenLine xmlns:a14="http://schemas.microsoft.com/office/drawing/2010/main" xmlns="" w="9525">
+                  <a14:hiddenLine xmlns="" xmlns:a14="http://schemas.microsoft.com/office/drawing/2010/main" w="9525">
                     <a:solidFill>
                       <a:srgbClr val="000000"/>
                     </a:solidFill>
@@ -10803,7 +10803,7 @@
               </a:ln>
               <a:extLst>
                 <a:ext uri="{91240B29-F687-4f45-9708-019B960494DF}">
-                  <a14:hiddenLine xmlns:a14="http://schemas.microsoft.com/office/drawing/2010/main" xmlns="" w="9525">
+                  <a14:hiddenLine xmlns="" xmlns:a14="http://schemas.microsoft.com/office/drawing/2010/main" w="9525">
                     <a:solidFill>
                       <a:srgbClr val="000000"/>
                     </a:solidFill>
@@ -10868,7 +10868,7 @@
               </a:ln>
               <a:extLst>
                 <a:ext uri="{91240B29-F687-4f45-9708-019B960494DF}">
-                  <a14:hiddenLine xmlns:a14="http://schemas.microsoft.com/office/drawing/2010/main" xmlns="" w="9525">
+                  <a14:hiddenLine xmlns="" xmlns:a14="http://schemas.microsoft.com/office/drawing/2010/main" w="9525">
                     <a:solidFill>
                       <a:srgbClr val="000000"/>
                     </a:solidFill>
@@ -10988,7 +10988,7 @@
               </a:ln>
               <a:extLst>
                 <a:ext uri="{91240B29-F687-4f45-9708-019B960494DF}">
-                  <a14:hiddenLine xmlns:a14="http://schemas.microsoft.com/office/drawing/2010/main" xmlns="" w="9525">
+                  <a14:hiddenLine xmlns="" xmlns:a14="http://schemas.microsoft.com/office/drawing/2010/main" w="9525">
                     <a:solidFill>
                       <a:srgbClr val="000000"/>
                     </a:solidFill>
@@ -11086,7 +11086,7 @@
               </a:ln>
               <a:extLst>
                 <a:ext uri="{91240B29-F687-4f45-9708-019B960494DF}">
-                  <a14:hiddenLine xmlns:a14="http://schemas.microsoft.com/office/drawing/2010/main" xmlns="" w="9525">
+                  <a14:hiddenLine xmlns="" xmlns:a14="http://schemas.microsoft.com/office/drawing/2010/main" w="9525">
                     <a:solidFill>
                       <a:srgbClr val="000000"/>
                     </a:solidFill>
@@ -11201,7 +11201,7 @@
               </a:ln>
               <a:extLst>
                 <a:ext uri="{91240B29-F687-4f45-9708-019B960494DF}">
-                  <a14:hiddenLine xmlns:a14="http://schemas.microsoft.com/office/drawing/2010/main" xmlns="" w="9525">
+                  <a14:hiddenLine xmlns="" xmlns:a14="http://schemas.microsoft.com/office/drawing/2010/main" w="9525">
                     <a:solidFill>
                       <a:srgbClr val="000000"/>
                     </a:solidFill>
@@ -11291,7 +11291,7 @@
               </a:ln>
               <a:extLst>
                 <a:ext uri="{91240B29-F687-4f45-9708-019B960494DF}">
-                  <a14:hiddenLine xmlns:a14="http://schemas.microsoft.com/office/drawing/2010/main" xmlns="" w="9525">
+                  <a14:hiddenLine xmlns="" xmlns:a14="http://schemas.microsoft.com/office/drawing/2010/main" w="9525">
                     <a:solidFill>
                       <a:srgbClr val="000000"/>
                     </a:solidFill>
@@ -11356,7 +11356,7 @@
               </a:ln>
               <a:extLst>
                 <a:ext uri="{91240B29-F687-4f45-9708-019B960494DF}">
-                  <a14:hiddenLine xmlns:a14="http://schemas.microsoft.com/office/drawing/2010/main" xmlns="" w="9525">
+                  <a14:hiddenLine xmlns="" xmlns:a14="http://schemas.microsoft.com/office/drawing/2010/main" w="9525">
                     <a:solidFill>
                       <a:srgbClr val="000000"/>
                     </a:solidFill>
@@ -11446,7 +11446,7 @@
               </a:ln>
               <a:extLst>
                 <a:ext uri="{91240B29-F687-4f45-9708-019B960494DF}">
-                  <a14:hiddenLine xmlns:a14="http://schemas.microsoft.com/office/drawing/2010/main" xmlns="" w="9525">
+                  <a14:hiddenLine xmlns="" xmlns:a14="http://schemas.microsoft.com/office/drawing/2010/main" w="9525">
                     <a:solidFill>
                       <a:srgbClr val="000000"/>
                     </a:solidFill>
@@ -11514,7 +11514,7 @@
               </a:ln>
               <a:extLst>
                 <a:ext uri="{91240B29-F687-4f45-9708-019B960494DF}">
-                  <a14:hiddenLine xmlns:a14="http://schemas.microsoft.com/office/drawing/2010/main" xmlns="" w="9525">
+                  <a14:hiddenLine xmlns="" xmlns:a14="http://schemas.microsoft.com/office/drawing/2010/main" w="9525">
                     <a:solidFill>
                       <a:srgbClr val="000000"/>
                     </a:solidFill>
@@ -11604,7 +11604,7 @@
               </a:ln>
               <a:extLst>
                 <a:ext uri="{91240B29-F687-4f45-9708-019B960494DF}">
-                  <a14:hiddenLine xmlns:a14="http://schemas.microsoft.com/office/drawing/2010/main" xmlns="" w="9525">
+                  <a14:hiddenLine xmlns="" xmlns:a14="http://schemas.microsoft.com/office/drawing/2010/main" w="9525">
                     <a:solidFill>
                       <a:srgbClr val="000000"/>
                     </a:solidFill>
@@ -11672,7 +11672,7 @@
               </a:ln>
               <a:extLst>
                 <a:ext uri="{91240B29-F687-4f45-9708-019B960494DF}">
-                  <a14:hiddenLine xmlns:a14="http://schemas.microsoft.com/office/drawing/2010/main" xmlns="" w="9525">
+                  <a14:hiddenLine xmlns="" xmlns:a14="http://schemas.microsoft.com/office/drawing/2010/main" w="9525">
                     <a:solidFill>
                       <a:srgbClr val="000000"/>
                     </a:solidFill>
@@ -11762,7 +11762,7 @@
               </a:ln>
               <a:extLst>
                 <a:ext uri="{91240B29-F687-4f45-9708-019B960494DF}">
-                  <a14:hiddenLine xmlns:a14="http://schemas.microsoft.com/office/drawing/2010/main" xmlns="" w="9525">
+                  <a14:hiddenLine xmlns="" xmlns:a14="http://schemas.microsoft.com/office/drawing/2010/main" w="9525">
                     <a:solidFill>
                       <a:srgbClr val="000000"/>
                     </a:solidFill>
@@ -11796,7 +11796,7 @@
               </a:ln>
               <a:extLst>
                 <a:ext uri="{91240B29-F687-4f45-9708-019B960494DF}">
-                  <a14:hiddenLine xmlns:a14="http://schemas.microsoft.com/office/drawing/2010/main" xmlns="" w="9525">
+                  <a14:hiddenLine xmlns="" xmlns:a14="http://schemas.microsoft.com/office/drawing/2010/main" w="9525">
                     <a:solidFill>
                       <a:srgbClr val="000000"/>
                     </a:solidFill>
@@ -12785,9 +12785,21 @@
           <a:p>
             <a:r>
               <a:rPr lang="fi-FI" dirty="0"/>
-              <a:t>Sprint 2  (kesken 10.2.2018) 14.2.2018</a:t>
-            </a:r>
-            <a:endParaRPr lang="en-US" dirty="0"/>
+              <a:t>Sprint 2  </a:t>
+            </a:r>
+            <a:r>
+              <a:rPr lang="fi-FI" sz="2000" dirty="0"/>
+              <a:t>(1.-14.2.2018 - kesken </a:t>
+            </a:r>
+            <a:r>
+              <a:rPr lang="fi-FI" sz="1400" dirty="0"/>
+              <a:t>(10.2.2018)</a:t>
+            </a:r>
+            <a:r>
+              <a:rPr lang="fi-FI" sz="2000" dirty="0"/>
+              <a:t>)</a:t>
+            </a:r>
+            <a:endParaRPr lang="en-US" sz="2000" dirty="0"/>
           </a:p>
         </p:txBody>
       </p:sp>
@@ -12848,22 +12860,6 @@
               <a:t>Käyttäjätunnukset ja eri oikeudet "anturikäyttäjille" ja asiakkaille			</a:t>
             </a:r>
             <a:r>
-              <a:rPr lang="fi-FI">
-                <a:sym typeface="Wingdings" panose="05000000000000000000" pitchFamily="2" charset="2"/>
-              </a:rPr>
-              <a:t> Valmis</a:t>
-            </a:r>
-            <a:endParaRPr lang="en-US" dirty="0"/>
-          </a:p>
-          <a:p>
-            <a:pPr lvl="1">
-              <a:buFont typeface="Arial"/>
-            </a:pPr>
-            <a:r>
-              <a:rPr lang="fi-FI" dirty="0"/>
-              <a:t>Oma taulu lämpötiloille, jossa generoitua dataa				</a:t>
-            </a:r>
-            <a:r>
               <a:rPr lang="fi-FI" dirty="0">
                 <a:sym typeface="Wingdings" panose="05000000000000000000" pitchFamily="2" charset="2"/>
               </a:rPr>
@@ -12877,7 +12873,29 @@
             </a:pPr>
             <a:r>
               <a:rPr lang="fi-FI" dirty="0"/>
-              <a:t>Haku lämpötilojen ja käyttäjien tauluista tulostettuna konsoliin</a:t>
+              <a:t>Oma taulu lämpötiloille, jossa generoitua dataa				</a:t>
+            </a:r>
+            <a:r>
+              <a:rPr lang="fi-FI" dirty="0">
+                <a:sym typeface="Wingdings" panose="05000000000000000000" pitchFamily="2" charset="2"/>
+              </a:rPr>
+              <a:t> Valmis</a:t>
+            </a:r>
+            <a:endParaRPr lang="en-US" dirty="0"/>
+          </a:p>
+          <a:p>
+            <a:pPr lvl="1">
+              <a:buFont typeface="Arial"/>
+            </a:pPr>
+            <a:r>
+              <a:rPr lang="fi-FI" dirty="0"/>
+              <a:t>Haku lämpötilojen ja käyttäjien tauluista tulostettuna konsoliin			</a:t>
+            </a:r>
+            <a:r>
+              <a:rPr lang="fi-FI" dirty="0">
+                <a:sym typeface="Wingdings" panose="05000000000000000000" pitchFamily="2" charset="2"/>
+              </a:rPr>
+              <a:t> Valmis</a:t>
             </a:r>
             <a:endParaRPr lang="en-US" dirty="0"/>
           </a:p>
@@ -12982,10 +13000,14 @@
           <a:lstStyle/>
           <a:p>
             <a:r>
-              <a:rPr lang="fi-FI"/>
-              <a:t>Sprint 3</a:t>
-            </a:r>
-            <a:endParaRPr lang="en-US"/>
+              <a:rPr lang="fi-FI" dirty="0"/>
+              <a:t>Sprint 3  </a:t>
+            </a:r>
+            <a:r>
+              <a:rPr lang="fi-FI" sz="2000" dirty="0"/>
+              <a:t>(15.-28.2.2018)</a:t>
+            </a:r>
+            <a:endParaRPr lang="en-US" sz="2000" dirty="0"/>
           </a:p>
         </p:txBody>
       </p:sp>
@@ -13190,10 +13212,14 @@
           <a:lstStyle/>
           <a:p>
             <a:r>
-              <a:rPr lang="fi-FI"/>
-              <a:t>Sprint 4</a:t>
-            </a:r>
-            <a:endParaRPr lang="en-US"/>
+              <a:rPr lang="fi-FI" dirty="0"/>
+              <a:t>Sprint 4  </a:t>
+            </a:r>
+            <a:r>
+              <a:rPr lang="fi-FI" sz="2000" dirty="0"/>
+              <a:t>(1.3.-14.3.2018)</a:t>
+            </a:r>
+            <a:endParaRPr lang="en-US" sz="2000" dirty="0"/>
           </a:p>
         </p:txBody>
       </p:sp>
